--- a/Poster.pptx
+++ b/Poster.pptx
@@ -254,7 +254,7 @@
           <a:p>
             <a:fld id="{AFD5325B-1A15-4464-AC58-4D5851FBB6B7}" type="datetimeFigureOut">
               <a:rPr lang="en-CH" smtClean="0"/>
-              <a:t>12/12/2021</a:t>
+              <a:t>12/13/2021</a:t>
             </a:fld>
             <a:endParaRPr lang="en-CH"/>
           </a:p>
@@ -424,7 +424,7 @@
           <a:p>
             <a:fld id="{AFD5325B-1A15-4464-AC58-4D5851FBB6B7}" type="datetimeFigureOut">
               <a:rPr lang="en-CH" smtClean="0"/>
-              <a:t>12/12/2021</a:t>
+              <a:t>12/13/2021</a:t>
             </a:fld>
             <a:endParaRPr lang="en-CH"/>
           </a:p>
@@ -604,7 +604,7 @@
           <a:p>
             <a:fld id="{AFD5325B-1A15-4464-AC58-4D5851FBB6B7}" type="datetimeFigureOut">
               <a:rPr lang="en-CH" smtClean="0"/>
-              <a:t>12/12/2021</a:t>
+              <a:t>12/13/2021</a:t>
             </a:fld>
             <a:endParaRPr lang="en-CH"/>
           </a:p>
@@ -699,7 +699,7 @@
           <a:p>
             <a:fld id="{AFD5325B-1A15-4464-AC58-4D5851FBB6B7}" type="datetimeFigureOut">
               <a:rPr lang="en-CH" smtClean="0"/>
-              <a:t>12/12/2021</a:t>
+              <a:t>12/13/2021</a:t>
             </a:fld>
             <a:endParaRPr lang="en-CH"/>
           </a:p>
@@ -869,7 +869,7 @@
           <a:p>
             <a:fld id="{AFD5325B-1A15-4464-AC58-4D5851FBB6B7}" type="datetimeFigureOut">
               <a:rPr lang="en-CH" smtClean="0"/>
-              <a:t>12/12/2021</a:t>
+              <a:t>12/13/2021</a:t>
             </a:fld>
             <a:endParaRPr lang="en-CH"/>
           </a:p>
@@ -1113,7 +1113,7 @@
           <a:p>
             <a:fld id="{AFD5325B-1A15-4464-AC58-4D5851FBB6B7}" type="datetimeFigureOut">
               <a:rPr lang="en-CH" smtClean="0"/>
-              <a:t>12/12/2021</a:t>
+              <a:t>12/13/2021</a:t>
             </a:fld>
             <a:endParaRPr lang="en-CH"/>
           </a:p>
@@ -1345,7 +1345,7 @@
           <a:p>
             <a:fld id="{AFD5325B-1A15-4464-AC58-4D5851FBB6B7}" type="datetimeFigureOut">
               <a:rPr lang="en-CH" smtClean="0"/>
-              <a:t>12/12/2021</a:t>
+              <a:t>12/13/2021</a:t>
             </a:fld>
             <a:endParaRPr lang="en-CH"/>
           </a:p>
@@ -1712,7 +1712,7 @@
           <a:p>
             <a:fld id="{AFD5325B-1A15-4464-AC58-4D5851FBB6B7}" type="datetimeFigureOut">
               <a:rPr lang="en-CH" smtClean="0"/>
-              <a:t>12/12/2021</a:t>
+              <a:t>12/13/2021</a:t>
             </a:fld>
             <a:endParaRPr lang="en-CH"/>
           </a:p>
@@ -1830,7 +1830,7 @@
           <a:p>
             <a:fld id="{AFD5325B-1A15-4464-AC58-4D5851FBB6B7}" type="datetimeFigureOut">
               <a:rPr lang="en-CH" smtClean="0"/>
-              <a:t>12/12/2021</a:t>
+              <a:t>12/13/2021</a:t>
             </a:fld>
             <a:endParaRPr lang="en-CH"/>
           </a:p>
@@ -1925,7 +1925,7 @@
           <a:p>
             <a:fld id="{AFD5325B-1A15-4464-AC58-4D5851FBB6B7}" type="datetimeFigureOut">
               <a:rPr lang="en-CH" smtClean="0"/>
-              <a:t>12/12/2021</a:t>
+              <a:t>12/13/2021</a:t>
             </a:fld>
             <a:endParaRPr lang="en-CH"/>
           </a:p>
@@ -2202,7 +2202,7 @@
           <a:p>
             <a:fld id="{AFD5325B-1A15-4464-AC58-4D5851FBB6B7}" type="datetimeFigureOut">
               <a:rPr lang="en-CH" smtClean="0"/>
-              <a:t>12/12/2021</a:t>
+              <a:t>12/13/2021</a:t>
             </a:fld>
             <a:endParaRPr lang="en-CH"/>
           </a:p>
@@ -2459,7 +2459,7 @@
           <a:p>
             <a:fld id="{AFD5325B-1A15-4464-AC58-4D5851FBB6B7}" type="datetimeFigureOut">
               <a:rPr lang="en-CH" smtClean="0"/>
-              <a:t>12/12/2021</a:t>
+              <a:t>12/13/2021</a:t>
             </a:fld>
             <a:endParaRPr lang="en-CH"/>
           </a:p>
@@ -2672,7 +2672,7 @@
           <a:p>
             <a:fld id="{AFD5325B-1A15-4464-AC58-4D5851FBB6B7}" type="datetimeFigureOut">
               <a:rPr lang="en-CH" smtClean="0"/>
-              <a:t>12/12/2021</a:t>
+              <a:t>12/13/2021</a:t>
             </a:fld>
             <a:endParaRPr lang="en-CH"/>
           </a:p>
@@ -3246,15 +3246,11 @@
             </a:pPr>
             <a:r>
               <a:rPr lang="en-US" sz="1600" dirty="0"/>
-              <a:t>It includes one binary target variable indicating whether a patient had a stroke and 11 features on the </a:t>
-            </a:r>
-            <a:r>
-              <a:rPr lang="en-US" dirty="0"/>
-              <a:t>patient's</a:t>
-            </a:r>
-            <a:r>
-              <a:rPr lang="en-US" sz="1600" dirty="0"/>
-              <a:t> </a:t>
+              <a:t>It includes one binary target variable indicating whether a patient had a stroke and 11 features on the patient's </a:t>
+            </a:r>
+            <a:r>
+              <a:rPr lang="en-GB" sz="1600" dirty="0"/>
+              <a:t>physiology</a:t>
             </a:r>
             <a:r>
               <a:rPr lang="en-GB" sz="1600" b="0" i="0" dirty="0">
@@ -3264,7 +3260,7 @@
                 <a:effectLst/>
                 <a:latin typeface="NexusSerif"/>
               </a:rPr>
-              <a:t>physiology, including five binary, three continuous and two categorical variables.</a:t>
+              <a:t>, including five binary, three continuous, and two categorical variables.</a:t>
             </a:r>
           </a:p>
           <a:p>
@@ -3333,7 +3329,7 @@
                 </a:solidFill>
                 <a:latin typeface="NexusSerif"/>
               </a:rPr>
-              <a:t>distinct ‘Unknown’ category. This is done because I suspect the variable to be not completely missing at random, e.g., because smokers might not want to disclose their bad habit. </a:t>
+              <a:t>distinct ‘Unknown’ category. This is done because I suspect the variable to be not completely missing at random, e.g. because smokers might not want to disclose their bad habit. </a:t>
             </a:r>
             <a:br>
               <a:rPr lang="en-GB" sz="1600" dirty="0">
@@ -3350,7 +3346,7 @@
                 </a:solidFill>
                 <a:latin typeface="NexusSerif"/>
               </a:rPr>
-              <a:t>In this case, an unknown category allows the model to capture this information, compared to imputing by the majority category or discarding the column all together.</a:t>
+              <a:t>In this case, an unknown category allows the model to capture this information, compared to imputing by the majority category or discarding the column altogether.</a:t>
             </a:r>
           </a:p>
           <a:p>
@@ -3389,7 +3385,7 @@
                 </a:solidFill>
                 <a:latin typeface="NexusSerif"/>
               </a:rPr>
-              <a:t>The classic summary statistics table is omitted because the figures 1-5 provide deeper insight into variable distribution. Additionally, tables 1-3 give an overview of the possible values.</a:t>
+              <a:t>The classic summary statistics table is omitted because figures 1-5 provide deeper insight into variable distribution. Additionally, tables 1-3 give an overview of the possible values.</a:t>
             </a:r>
           </a:p>
           <a:p>
@@ -3521,7 +3517,7 @@
                 </a:solidFill>
                 <a:latin typeface="NexusSerif"/>
               </a:rPr>
-              <a:t>The corelation matrix, shows ‘Age’ to have the highest</a:t>
+              <a:t>The correlation matrix, shows ‘Age’ to have the highest</a:t>
             </a:r>
             <a:br>
               <a:rPr lang="en-GB" sz="1600" dirty="0">
@@ -3555,7 +3551,7 @@
                 </a:solidFill>
                 <a:latin typeface="NexusSerif"/>
               </a:rPr>
-              <a:t>For easier visual representation, the categorical </a:t>
+              <a:t>For an easier visual representation, the categorical </a:t>
             </a:r>
             <a:br>
               <a:rPr lang="en-GB" sz="1600" dirty="0">
@@ -3715,7 +3711,7 @@
           <a:p>
             <a:r>
               <a:rPr lang="en-US" sz="1600" dirty="0"/>
-              <a:t>In 2020, cerebrovascular diseases were the fourth leading cause of death in England [1]. A cerebral stroke is a subtype of these diseases in which the blood supply to part of the brain is interrupted, depriving brain tissue of oxygen and nutrients, which causes the death of brain cells within minutes. Therefore, predicting whether a person will have a cerebral stroke is of great importance to public health, as it can help ensure adequate preparation and quick action in an emergency. The goal of this project is to train and compare the ability of a Decision Tree (DT) and a K-Nearest Neighbor (KNN) classifier to predict whether a person will suffer a stroke. This extends the work of Lui, Fan, and Wu (2019) because it explores the potential of two models that were not analyzed in their original work, and because the DT and KNN models are more interpretable and intuitive, which is an important property for medical applications.</a:t>
+              <a:t>In 2020, cerebrovascular disease were the fourth leading cause of death in England [1]. A cerebral stroke is a subtype of this disease in which the blood supply to part of the brain is interrupted, depriving brain tissue of oxygen and nutrients, which causes the death of brain cells within minutes. Therefore, predicting whether a person will have a cerebral stroke is of great importance to public health, as it can help ensure adequate preparation and quick action in an emergency. The goal of this project is to train and compare the ability of a Decision Tree (DT) and a K-Nearest Neighbor (KNN) classifier to predict whether a person will suffer a stroke. This extends the work of Lui, Fan and Wu (2019) because it explores the potential of two models that were not analyzed in their original work and because the DT and KNN models are more interpretable and intuitive, which is an important property for medical applications.</a:t>
             </a:r>
             <a:endParaRPr lang="en-CH" sz="1600" dirty="0"/>
           </a:p>
@@ -3858,7 +3854,7 @@
                 </a:pPr>
                 <a:r>
                   <a:rPr lang="en-US" sz="1600" dirty="0"/>
-                  <a:t>DTs aim to predict the value of the target variable by learning simple decision rules based on the predictor variables that recursively divide the data into mutually exclusive sup-groups, called leaves. [3]</a:t>
+                  <a:t>DTs aim to predict the value of the target variable by learning simple decision rules based on the predictor variables that recursively divide the data into mutually exclusive sub-groups, called leaves. [3]</a:t>
                 </a:r>
               </a:p>
               <a:p>
@@ -3868,7 +3864,7 @@
                 </a:pPr>
                 <a:r>
                   <a:rPr lang="en-US" sz="1600" dirty="0"/>
-                  <a:t>Starting from the entire sample (root), a top-down greedy algorithm, called recursive partitioning, considers all possible features and cut off points, and chooses the one that maximizes a specified optimization criterion. [3]</a:t>
+                  <a:t>Starting from the entire sample (root), a top-down greedy algorithm, called recursive partitioning, considers all possible features and cut-off points, and chooses the one that maximizes a specified optimization criterion. [3]</a:t>
                 </a:r>
               </a:p>
               <a:p>
@@ -3878,7 +3874,7 @@
                 </a:pPr>
                 <a:r>
                   <a:rPr lang="en-US" sz="1600" dirty="0"/>
-                  <a:t>Additional splits are successively added in that same fashion, until some stopping criterion is reached. [3]</a:t>
+                  <a:t>Additional splits are successively added in that same fashion until some stopping criterion is reached. [3]</a:t>
                 </a:r>
               </a:p>
             </p:txBody>
@@ -3968,9 +3964,6 @@
                   <a:t>In general, a higher k can suppress overfitting to noise, but can cause the majority class to dominate in every vote. [7]</a:t>
                 </a:r>
               </a:p>
-              <a:p>
-                <a:endParaRPr lang="en-US" sz="1600" dirty="0"/>
-              </a:p>
             </p:txBody>
           </p:sp>
         </p:grpSp>
@@ -4014,7 +4007,7 @@
               </a:pPr>
               <a:r>
                 <a:rPr lang="en-GB" sz="1600" dirty="0"/>
-                <a:t>White box model with high interpretability. [4]</a:t>
+                <a:t>White-box model with high interpretability. [4]</a:t>
               </a:r>
             </a:p>
             <a:p>
@@ -4194,7 +4187,7 @@
               </a:pPr>
               <a:r>
                 <a:rPr lang="en-GB" sz="1600" dirty="0"/>
-                <a:t>Instance-base learning does not require training. [7]</a:t>
+                <a:t>Instance-based learning does not require training. [7]</a:t>
               </a:r>
             </a:p>
             <a:p>
@@ -4665,7 +4658,7 @@
             </a:pPr>
             <a:r>
               <a:rPr lang="en-US" sz="1600" dirty="0"/>
-              <a:t>The metrics achieved by the deep neural network approach of Lui, Fan and Wu (2019), are expected to be an upper benchmark that cannot be exceeded by neither DT nor KNN without any significant tradeoff in at least one metric.</a:t>
+              <a:t>The metrics achieved by the deep neural network approach of Lui, Fan and Wu (2019), are expected to be an upper benchmark that cannot be exceeded by either DT or KNN without any significant tradeoff in at least one metric.</a:t>
             </a:r>
             <a:br>
               <a:rPr lang="en-US" sz="1600" dirty="0"/>
@@ -4682,7 +4675,7 @@
             </a:pPr>
             <a:r>
               <a:rPr lang="en-US" sz="1600" dirty="0"/>
-              <a:t>DT is expected to outperform KNN across most classification metrics. This is because, Lui, Fan and Wu (2019) showed that the feature importance in their Random Forest model is heavily dominated by only a few variables, which caters to the DT, as it tends to perform best in an environment with few important predictors [5], as opposed to KNN, which is negatively impacted by many irrelevant features [6] like one-hot encoded categorial variables with low correlation. </a:t>
+              <a:t>DT is expected to outperform KNN across most classification metrics. This is because, Lui, Fan and Wu (2019) showed that the feature importance in their Random Forest model is heavily dominated by only a few variables, which caters to the DT, as it tends to perform best in an environment with few important predictors [5], as opposed to KNN, which is negatively impacted by many irrelevant features [6] like one-hot encoded categorical variables with low correlation. </a:t>
             </a:r>
           </a:p>
           <a:p>
@@ -4692,7 +4685,7 @@
             </a:pPr>
             <a:r>
               <a:rPr lang="en-US" sz="1600" dirty="0"/>
-              <a:t>KNN is expected to have a longer cross validation runtime, because performing exhaustive distance calculations on 43’000 is likely to outweigh the computational benefits of not requiring a training period.</a:t>
+              <a:t>KNN is expected to have a longer cross-validation	 runtime, because performing exhaustive distance calculations on a large data set is likely to outweigh the computational benefits of not requiring a training period.</a:t>
             </a:r>
           </a:p>
           <a:p>
@@ -4990,7 +4983,7 @@
             </a:pPr>
             <a:r>
               <a:rPr lang="en-US" sz="1600" dirty="0"/>
-              <a:t>Split data set into train (80%) and test set (20%), resulting in 33’404 training and 8’351 testing observations.</a:t>
+              <a:t>Split data set into the train (80%) and test set (20%), resulting in 33’404 training and 8’351 testing observations.</a:t>
             </a:r>
           </a:p>
           <a:p>
@@ -5000,7 +4993,7 @@
             </a:pPr>
             <a:r>
               <a:rPr lang="en-US" sz="1600" dirty="0"/>
-              <a:t>Hyperparameter tuning is done using Bayesian optimization and 10-fold cross validation, to prevent overfitting.</a:t>
+              <a:t>Hyperparameter tuning is done using Bayesian optimization and 10-fold cross-validation, to prevent overfitting.</a:t>
             </a:r>
           </a:p>
           <a:p>
@@ -5010,7 +5003,7 @@
             </a:pPr>
             <a:r>
               <a:rPr lang="en-US" sz="1600" dirty="0"/>
-              <a:t>To deal with the strong class imbalance three approaches were compared. Namely, SMOTE oversampling, stratified cross validation and regular cross validation as a baseline. The oversampled training data contains 65’822 observations.</a:t>
+              <a:t>To deal with the strong class imbalance three approaches were compared. Namely, SMOTE oversampling, stratified cross-validation, and regular cross-validation as a baseline. The oversampled training data contains 65’822 observations.</a:t>
             </a:r>
           </a:p>
           <a:p>
@@ -5940,7 +5933,7 @@
             </a:pPr>
             <a:r>
               <a:rPr lang="en-US" sz="1600" dirty="0"/>
-              <a:t>To prevent overfitting, two stopping criterions, i.e., the maximum number of splits and minimum size of leaf nodes, were tuned in a range of 1-30, which limits the depth of the final tree.</a:t>
+              <a:t>To prevent overfitting, two stopping criteria, i.e., the maximum number of splits and minimum size of leaf nodes, were tuned in a range of 1-30, which limits the depth of the final tree.</a:t>
             </a:r>
           </a:p>
           <a:p>
@@ -5993,7 +5986,7 @@
             </a:pPr>
             <a:r>
               <a:rPr lang="en-US" sz="1600" dirty="0"/>
-              <a:t>The best model used SMOTE oversampling, accuracy loss, 26 maximum splits and 1 minimum observations per leaf.</a:t>
+              <a:t>The best model used SMOTE oversampling, accuracy loss, 26 maximum splits, and 1 minimum observation per leaf.</a:t>
             </a:r>
           </a:p>
           <a:p>
@@ -6015,16 +6008,6 @@
               <a:rPr lang="en-US" sz="1600" dirty="0"/>
               <a:t>‘Age’ is by far the most important feature.</a:t>
             </a:r>
-          </a:p>
-          <a:p>
-            <a:endParaRPr lang="en-US" sz="1600" dirty="0"/>
-          </a:p>
-          <a:p>
-            <a:pPr marL="342900" indent="-342900">
-              <a:buFont typeface="Arial" panose="020B0604020202020204" pitchFamily="34" charset="0"/>
-              <a:buChar char="•"/>
-            </a:pPr>
-            <a:endParaRPr lang="en-US" sz="1600" dirty="0"/>
           </a:p>
         </p:txBody>
       </p:sp>
@@ -6090,7 +6073,7 @@
             </a:pPr>
             <a:r>
               <a:rPr lang="en-US" sz="1600" dirty="0"/>
-              <a:t>Again, SMOTE, stratified cross validation and F2 cross-validation loss were tested to address class imbalance.</a:t>
+              <a:t>Again, SMOTE, stratified cross-validation, and F2 cross-validation loss were tested to address the class imbalance.</a:t>
             </a:r>
           </a:p>
           <a:p>
@@ -6133,7 +6116,7 @@
             </a:pPr>
             <a:r>
               <a:rPr lang="en-US" sz="1600" dirty="0"/>
-              <a:t>The best model used SMOTE oversampling, accuracy loss, 3 neighbors and ‘cosine’ distance.</a:t>
+              <a:t>The best model used SMOTE oversampling, accuracy loss, 3 neighbors, and ‘cosine’ distance.</a:t>
             </a:r>
           </a:p>
           <a:p>
@@ -6145,9 +6128,6 @@
               <a:rPr lang="en-US" sz="1600" dirty="0"/>
               <a:t>The different distance functions had only a minor effect on model performance.</a:t>
             </a:r>
-          </a:p>
-          <a:p>
-            <a:endParaRPr lang="en-US" sz="1600" dirty="0"/>
           </a:p>
         </p:txBody>
       </p:sp>
@@ -7605,7 +7585,7 @@
             </a:pPr>
             <a:r>
               <a:rPr lang="en-US" sz="1600" dirty="0"/>
-              <a:t>The long prediction time of KNN outweighs the benefits of not having  a training period, when applied to large data sets.</a:t>
+              <a:t>The long prediction time of KNN outweighs the benefits of not having a training period when applied to large data sets.</a:t>
             </a:r>
           </a:p>
           <a:p>
@@ -7709,7 +7689,7 @@
             </a:pPr>
             <a:r>
               <a:rPr lang="en-US" sz="1600" dirty="0"/>
-              <a:t>The above analysis shows that the DT model is better suited for the application in cerebral stroke prediction compared to KNN. The main advantage of DT is the recall of 47.3% compared to only 5.3% for KNN. This is especially important in the medical context, where a false negatives, i.e., an undetected stroke, can cause serious harm to the patient, whereas a false positive, i.e., predicting a stroke in a healthy patient, will only result in an unnecessary trip to the hospital. In addition, this almost 10-fold increase in sensitivity, only increases the false-positive rate of the algorithm by 3.1%, from 90.4% to 93.5%.  This overall improvement is also reflected in the F2-score of 21.1% for DT compared to only 5.9% for KNN.</a:t>
+              <a:t>The above analysis shows that the DT model is better suited for the application in cerebral stroke prediction compared to KNN. The main advantage of DT is the recall of 47.3% compared to only 5.3% for KNN. This is especially important in the medical context, where a false negative, i.e., an undetected stroke, can cause serious harm to the patient, whereas a false positive, i.e., predicting a stroke in a healthy patient, will only result in an unnecessary trip to the hospital. In addition, this almost 10-fold increase in sensitivity, only increases the false-positive rate of the algorithm by 3.1%, from 90.4% to 93.5%.  This overall improvement is also reflected in the F2-score of 21.1% for DT compared to only 5.9% for KNN.</a:t>
             </a:r>
           </a:p>
           <a:p>
@@ -7749,7 +7729,7 @@
             </a:pPr>
             <a:r>
               <a:rPr lang="en-US" sz="1600" dirty="0"/>
-              <a:t>Also in line with the initial hypothesis, the 32.6% specificity, and 67.4% sensitivity from the deep learning model by Lui, Fan and Wu (2019) were note exceeded, most likely because the simpler DT and KNN algorithms are less well suited to pick up on more nuanced feature interactions. However, unlike the black box deep learning model, DT and KNN provide much higher interpretability and easier intuition on how decisions for a given patient were formed, which is a highly desirable characteristic for the application in the medical domain.  This observation suggests that there is a trade-off between high performance and high interpretability.</a:t>
+              <a:t>Also in line with the initial hypothesis, the 32.6% specificity, and 67.4% sensitivity from the deep learning model by Lui, Fan and Wu (2019) were note exceeded, most likely because the simpler DT and KNN algorithms are less well suited to pick up on more nuanced feature interactions. However, unlike the black-box deep learning model, DT and KNN provide much higher interpretability and easier intuition on how decisions for a given patient were formed, which is a highly desirable characteristic for the application in the medical domain.  This observation suggests that there is a trade-off between high performance and high interpretability.</a:t>
             </a:r>
           </a:p>
           <a:p>
@@ -7767,7 +7747,7 @@
             </a:r>
             <a:r>
               <a:rPr lang="en-US" sz="1600" dirty="0"/>
-              <a:t>’ axis. A possible explanation could be that the partitioning algorithm is usually stopped by reaching the maximum number of splits, before the size of the leaf nodes starts to restrict the tree depth. </a:t>
+              <a:t>’ axis. A possible explanation could be that the partitioning algorithm is usually stopped by reaching the maximum number of splits before the size of the leaf nodes starts to restrict the tree depth. </a:t>
             </a:r>
           </a:p>
           <a:p>
@@ -7777,7 +7757,7 @@
             </a:pPr>
             <a:r>
               <a:rPr lang="en-US" sz="1600" dirty="0"/>
-              <a:t>Similarly, for KNN, the objective function plot is mainly influenced by the number of neighbors, whereas the distance functions does not seem to have a big impact.</a:t>
+              <a:t>Similarly, for KNN, the objective function plot is mainly influenced by the number of neighbors, whereas the distance function does not seem to have a big impact.</a:t>
             </a:r>
           </a:p>
           <a:p>
@@ -7787,15 +7767,7 @@
             </a:pPr>
             <a:r>
               <a:rPr lang="en-US" sz="1600" dirty="0"/>
-              <a:t>In accordance with the initial hypothesis, without specifically addressing the class imbalance the DT and KNN models drastically overfit to the majority class while hyperparameter tuning. This results in low variance, at the cost of high bias. While they have a seemingly high accuracy of 98.2%  (</a:t>
-            </a:r>
-            <a:r>
-              <a:rPr lang="en-US" sz="1600"/>
-              <a:t>see supplementary materials</a:t>
-            </a:r>
-            <a:r>
-              <a:rPr lang="en-US" sz="1600" dirty="0"/>
-              <a:t>) this just represents the share of the majority class in the data. The confusion matrix confirms that both models in fact only predict ‘no stroke’ for every observation. </a:t>
+              <a:t>In accordance with the initial hypothesis, without specifically addressing the class imbalance the DT and KNN models drastically overfit to the majority class while hyperparameter tuning. This results in low variance, at the cost of high bias. While they have a seemingly high accuracy of 98.2%  (see supplementary materials) this just represents the share of the majority class in the data. The confusion matrix confirms that both models in fact only predict ‘no stroke’ for every observation. </a:t>
             </a:r>
           </a:p>
           <a:p>
@@ -7805,7 +7777,7 @@
             </a:pPr>
             <a:r>
               <a:rPr lang="en-US" sz="1600" dirty="0"/>
-              <a:t>Stratified cross-validation did not improve models’ ability to predict the majority class. While it eliminates the chance of having zero observations of ‘stroke’ in any given fold, the imbalance remains too high for the algorithms correctly model it. </a:t>
+              <a:t>Stratified cross-validation did not improve models’ ability to predict the majority class. While it eliminates the chance of having zero observations of ‘stroke’ in any given fold, the imbalance remains too high for the algorithms to correctly model it. </a:t>
             </a:r>
           </a:p>
           <a:p>
@@ -7815,7 +7787,7 @@
             </a:pPr>
             <a:r>
               <a:rPr lang="en-US" sz="1600" dirty="0"/>
-              <a:t>The results presented in section 6) show that SMOTE oversampling is indeed an effective technique for addressing the class imbalances. By having an equal amount of ‘stroke’ and ‘no stroke’ observations in the training data, the models are able to learn an effective decision boundary to discriminate between the two classes, which improves its ability to generalize to the unseen test data.</a:t>
+              <a:t>The results presented in section 6) show that SMOTE oversampling is indeed an effective technique for addressing the class imbalances. By having an equal amount of ‘stroke’ and ‘no stroke’ observations in the training data, the models are able to learn an effective decision boundary to discriminate between the two classes, which improves their ability to generalize to the unseen test data.</a:t>
             </a:r>
           </a:p>
           <a:p>
@@ -7825,7 +7797,7 @@
             </a:pPr>
             <a:r>
               <a:rPr lang="en-US" sz="1600" dirty="0"/>
-              <a:t>The effect of choosing F2-score over accuracy as the objective function in Bayesian hyperparameter optimization is ambiguous. When SMOTE is applied to the training data, the final models that result from hyperparameter tuning have identical evaluation metrics on the test set, independent on the objective function. This suggests that in a balanced data setting, the model that achieves the highest accuracy is very similar to the one that maximizes F2 score. However, in an imbalanced setting, i.e., for regular and stratified cross-validation without SMOTE, the objective function had some effect on the final model. With regular cross-validation, the final DT and KNN model tune on F2 made at least some minority class predictions, albeit with a very small recall under 1%. With stratified cross-validation, only the KNN made minority class predictions, whereas the DT only predicted the majority class independent of the objective function used. These apparent inconsistencies in the improvements by an F2 objective function may be caused by the random CV splitting, especially since the overall influence of the objective function seems to be very small in general. </a:t>
+              <a:t>The effect of choosing F2-score over accuracy as the objective function in Bayesian hyperparameter optimization is ambiguous. When SMOTE is applied to the training data, the final models that result from hyperparameter tuning have identical evaluation metrics on the test set, independent of the objective function. This suggests that in a balanced data set, the model that achieves the highest accuracy is very similar to the one that maximizes F2 score. However, in an imbalanced setting, i.e., for regular and stratified cross-validation without SMOTE, the objective function had some effect on the final model. With regular cross-validation, the final DT and KNN model tune on F2 made at least some minority class predictions, albeit with a very small recall under 1%. With stratified cross-validation, only the KNN made minority class predictions, whereas the DT only predicted the majority class independent of the objective function used. These apparent inconsistencies in the improvements by an F2 objective function may be caused by the random CV splitting, especially since the overall influence of the objective function seems to be very small in general. </a:t>
             </a:r>
           </a:p>
         </p:txBody>
